--- a/Диплом/6223 Мавлютов В.Д. Презентация.pptx
+++ b/Диплом/6223 Мавлютов В.Д. Презентация.pptx
@@ -1673,7 +1673,7 @@
         <a:p>
           <a:r>
             <a:rPr lang="ru-RU" sz="2400" dirty="0"/>
-            <a:t>Анализ исследуемой задачи и современных направлений ее решения</a:t>
+            <a:t>1. Анализ исследуемой задачи и современных направлений ее решения</a:t>
           </a:r>
           <a:endParaRPr lang="ru-RU" sz="2400" dirty="0">
             <a:solidFill>
@@ -1731,7 +1731,7 @@
         <a:p>
           <a:r>
             <a:rPr lang="ru-RU" sz="2400" dirty="0"/>
-            <a:t>Проектирование и программная реализация автоматизированной системы, позволяющей строить маршрут внутри помещений</a:t>
+            <a:t>2. Проектирование и программная реализация автоматизированной системы, позволяющей строить маршрут внутри помещений</a:t>
           </a:r>
           <a:endParaRPr lang="ru-RU" sz="2400" dirty="0">
             <a:solidFill>
@@ -1789,7 +1789,7 @@
         <a:p>
           <a:r>
             <a:rPr lang="ru-RU" sz="2400" dirty="0"/>
-            <a:t>Экспериментальные исследования разработанной автоматизированной системы навигации внутри помещений с помощью инерциальной технологии локального позиционирования мобильных устройств</a:t>
+            <a:t>3. Экспериментальные исследования разработанной автоматизированной системы навигации внутри помещений с помощью инерциальной технологии локального позиционирования мобильных устройств</a:t>
           </a:r>
           <a:endParaRPr lang="ru-RU" sz="2400" dirty="0">
             <a:solidFill>
@@ -2482,7 +2482,7 @@
           </a:pPr>
           <a:r>
             <a:rPr lang="ru-RU" sz="2400" kern="1200" dirty="0"/>
-            <a:t>Анализ исследуемой задачи и современных направлений ее решения</a:t>
+            <a:t>1. Анализ исследуемой задачи и современных направлений ее решения</a:t>
           </a:r>
           <a:endParaRPr lang="ru-RU" sz="2400" kern="1200" dirty="0">
             <a:solidFill>
@@ -2585,7 +2585,7 @@
           </a:pPr>
           <a:r>
             <a:rPr lang="ru-RU" sz="2400" kern="1200" dirty="0"/>
-            <a:t>Проектирование и программная реализация автоматизированной системы, позволяющей строить маршрут внутри помещений</a:t>
+            <a:t>2. Проектирование и программная реализация автоматизированной системы, позволяющей строить маршрут внутри помещений</a:t>
           </a:r>
           <a:endParaRPr lang="ru-RU" sz="2400" kern="1200" dirty="0">
             <a:solidFill>
@@ -2688,7 +2688,7 @@
           </a:pPr>
           <a:r>
             <a:rPr lang="ru-RU" sz="2400" kern="1200" dirty="0"/>
-            <a:t>Экспериментальные исследования разработанной автоматизированной системы навигации внутри помещений с помощью инерциальной технологии локального позиционирования мобильных устройств</a:t>
+            <a:t>3. Экспериментальные исследования разработанной автоматизированной системы навигации внутри помещений с помощью инерциальной технологии локального позиционирования мобильных устройств</a:t>
           </a:r>
           <a:endParaRPr lang="ru-RU" sz="2400" kern="1200" dirty="0">
             <a:solidFill>
@@ -7017,7 +7017,7 @@
           <a:p>
             <a:fld id="{53C77590-BFB8-41C1-9934-3E9D93CB747F}" type="datetimeFigureOut">
               <a:rPr lang="ru-RU" smtClean="0"/>
-              <a:t>21.05.2021</a:t>
+              <a:t>27.05.2021</a:t>
             </a:fld>
             <a:endParaRPr lang="ru-RU"/>
           </a:p>
@@ -7463,7 +7463,7 @@
           <a:p>
             <a:fld id="{2E1FEAF3-9EA9-4E4D-ACE9-F210CFF472D4}" type="datetime1">
               <a:rPr lang="ru-RU" smtClean="0"/>
-              <a:t>21.05.2021</a:t>
+              <a:t>27.05.2021</a:t>
             </a:fld>
             <a:endParaRPr lang="ru-RU"/>
           </a:p>
@@ -7631,7 +7631,7 @@
           <a:p>
             <a:fld id="{6072DF79-AD55-4BBF-AF0E-B3006BD9FC63}" type="datetime1">
               <a:rPr lang="ru-RU" smtClean="0"/>
-              <a:t>21.05.2021</a:t>
+              <a:t>27.05.2021</a:t>
             </a:fld>
             <a:endParaRPr lang="ru-RU"/>
           </a:p>
@@ -7809,7 +7809,7 @@
           <a:p>
             <a:fld id="{A8D09B17-A5AA-4114-B340-E9B3D535CAF1}" type="datetime1">
               <a:rPr lang="ru-RU" smtClean="0"/>
-              <a:t>21.05.2021</a:t>
+              <a:t>27.05.2021</a:t>
             </a:fld>
             <a:endParaRPr lang="ru-RU"/>
           </a:p>
@@ -7977,7 +7977,7 @@
           <a:p>
             <a:fld id="{BBDF64E6-2A5B-429D-84D2-1CEB73CFD494}" type="datetime1">
               <a:rPr lang="ru-RU" smtClean="0"/>
-              <a:t>21.05.2021</a:t>
+              <a:t>27.05.2021</a:t>
             </a:fld>
             <a:endParaRPr lang="ru-RU"/>
           </a:p>
@@ -8222,7 +8222,7 @@
           <a:p>
             <a:fld id="{9D7D6FD7-2330-440F-8729-44A50140D3A0}" type="datetime1">
               <a:rPr lang="ru-RU" smtClean="0"/>
-              <a:t>21.05.2021</a:t>
+              <a:t>27.05.2021</a:t>
             </a:fld>
             <a:endParaRPr lang="ru-RU"/>
           </a:p>
@@ -8507,7 +8507,7 @@
           <a:p>
             <a:fld id="{AD67EAE2-7930-4E8D-B42F-C75B0C353EE8}" type="datetime1">
               <a:rPr lang="ru-RU" smtClean="0"/>
-              <a:t>21.05.2021</a:t>
+              <a:t>27.05.2021</a:t>
             </a:fld>
             <a:endParaRPr lang="ru-RU"/>
           </a:p>
@@ -8926,7 +8926,7 @@
           <a:p>
             <a:fld id="{F5D6F513-D6BA-4B35-B772-88E770267A04}" type="datetime1">
               <a:rPr lang="ru-RU" smtClean="0"/>
-              <a:t>21.05.2021</a:t>
+              <a:t>27.05.2021</a:t>
             </a:fld>
             <a:endParaRPr lang="ru-RU"/>
           </a:p>
@@ -9043,7 +9043,7 @@
           <a:p>
             <a:fld id="{98307C8F-3427-4E0C-8A2A-E5C00596762D}" type="datetime1">
               <a:rPr lang="ru-RU" smtClean="0"/>
-              <a:t>21.05.2021</a:t>
+              <a:t>27.05.2021</a:t>
             </a:fld>
             <a:endParaRPr lang="ru-RU"/>
           </a:p>
@@ -9138,7 +9138,7 @@
           <a:p>
             <a:fld id="{ADE8478E-AABB-42F7-8174-B5FAD693316E}" type="datetime1">
               <a:rPr lang="ru-RU" smtClean="0"/>
-              <a:t>21.05.2021</a:t>
+              <a:t>27.05.2021</a:t>
             </a:fld>
             <a:endParaRPr lang="ru-RU"/>
           </a:p>
@@ -9413,7 +9413,7 @@
           <a:p>
             <a:fld id="{18E1BB3D-0B3A-4730-BB8B-C96F0F23C850}" type="datetime1">
               <a:rPr lang="ru-RU" smtClean="0"/>
-              <a:t>21.05.2021</a:t>
+              <a:t>27.05.2021</a:t>
             </a:fld>
             <a:endParaRPr lang="ru-RU"/>
           </a:p>
@@ -9665,7 +9665,7 @@
           <a:p>
             <a:fld id="{515F4F15-E020-44F3-BCC8-24320E990345}" type="datetime1">
               <a:rPr lang="ru-RU" smtClean="0"/>
-              <a:t>21.05.2021</a:t>
+              <a:t>27.05.2021</a:t>
             </a:fld>
             <a:endParaRPr lang="ru-RU"/>
           </a:p>
@@ -9885,7 +9885,7 @@
           <a:p>
             <a:fld id="{A22415F4-83CD-4779-9756-B7C80E8C6DAD}" type="datetime1">
               <a:rPr lang="ru-RU" smtClean="0"/>
-              <a:t>21.05.2021</a:t>
+              <a:t>27.05.2021</a:t>
             </a:fld>
             <a:endParaRPr lang="ru-RU"/>
           </a:p>
@@ -13053,8 +13053,8 @@
           <a:lstStyle/>
           <a:p>
             <a:pPr marL="285750" indent="-285750" algn="just">
-              <a:buFont typeface="Arial" panose="020B0604020202020204" pitchFamily="34" charset="0"/>
-              <a:buChar char="•"/>
+              <a:buFont typeface="Wingdings" panose="05000000000000000000" pitchFamily="2" charset="2"/>
+              <a:buChar char="ü"/>
             </a:pPr>
             <a:r>
               <a:rPr lang="ru-RU" dirty="0">
@@ -13066,8 +13066,8 @@
           </a:p>
           <a:p>
             <a:pPr marL="285750" indent="-285750" algn="just">
-              <a:buFont typeface="Arial" panose="020B0604020202020204" pitchFamily="34" charset="0"/>
-              <a:buChar char="•"/>
+              <a:buFont typeface="Wingdings" panose="05000000000000000000" pitchFamily="2" charset="2"/>
+              <a:buChar char="ü"/>
             </a:pPr>
             <a:r>
               <a:rPr lang="ru-RU" dirty="0">
@@ -13079,8 +13079,8 @@
           </a:p>
           <a:p>
             <a:pPr marL="285750" indent="-285750" algn="just">
-              <a:buFont typeface="Arial" panose="020B0604020202020204" pitchFamily="34" charset="0"/>
-              <a:buChar char="•"/>
+              <a:buFont typeface="Wingdings" panose="05000000000000000000" pitchFamily="2" charset="2"/>
+              <a:buChar char="ü"/>
             </a:pPr>
             <a:r>
               <a:rPr lang="ru-RU" dirty="0">
@@ -13092,8 +13092,8 @@
           </a:p>
           <a:p>
             <a:pPr marL="285750" indent="-285750" algn="just">
-              <a:buFont typeface="Arial" panose="020B0604020202020204" pitchFamily="34" charset="0"/>
-              <a:buChar char="•"/>
+              <a:buFont typeface="Wingdings" panose="05000000000000000000" pitchFamily="2" charset="2"/>
+              <a:buChar char="ü"/>
             </a:pPr>
             <a:r>
               <a:rPr lang="ru-RU" dirty="0">
@@ -13105,8 +13105,8 @@
           </a:p>
           <a:p>
             <a:pPr marL="285750" indent="-285750" algn="just">
-              <a:buFont typeface="Arial" panose="020B0604020202020204" pitchFamily="34" charset="0"/>
-              <a:buChar char="•"/>
+              <a:buFont typeface="Wingdings" panose="05000000000000000000" pitchFamily="2" charset="2"/>
+              <a:buChar char="ü"/>
             </a:pPr>
             <a:r>
               <a:rPr lang="ru-RU" dirty="0">
@@ -13146,8 +13146,8 @@
           </a:p>
           <a:p>
             <a:pPr marL="285750" indent="-285750" algn="just">
-              <a:buFont typeface="Arial" panose="020B0604020202020204" pitchFamily="34" charset="0"/>
-              <a:buChar char="•"/>
+              <a:buFont typeface="Wingdings" panose="05000000000000000000" pitchFamily="2" charset="2"/>
+              <a:buChar char="ü"/>
             </a:pPr>
             <a:r>
               <a:rPr lang="ru-RU" dirty="0">
@@ -13181,8 +13181,8 @@
           </a:p>
           <a:p>
             <a:pPr marL="285750" indent="-285750" algn="just">
-              <a:buFont typeface="Arial" panose="020B0604020202020204" pitchFamily="34" charset="0"/>
-              <a:buChar char="•"/>
+              <a:buFont typeface="Wingdings" panose="05000000000000000000" pitchFamily="2" charset="2"/>
+              <a:buChar char="ü"/>
             </a:pPr>
             <a:r>
               <a:rPr lang="ru-RU" dirty="0">
@@ -13197,8 +13197,8 @@
           </a:p>
           <a:p>
             <a:pPr marL="285750" indent="-285750" algn="just">
-              <a:buFont typeface="Arial" panose="020B0604020202020204" pitchFamily="34" charset="0"/>
-              <a:buChar char="•"/>
+              <a:buFont typeface="Wingdings" panose="05000000000000000000" pitchFamily="2" charset="2"/>
+              <a:buChar char="ü"/>
             </a:pPr>
             <a:endParaRPr lang="ru-RU" dirty="0">
               <a:latin typeface="Arial" panose="020B0604020202020204" pitchFamily="34" charset="0"/>
@@ -13543,8 +13543,8 @@
         </p:nvSpPr>
         <p:spPr>
           <a:xfrm>
-            <a:off x="694606" y="908720"/>
-            <a:ext cx="10965122" cy="1296144"/>
+            <a:off x="694606" y="908719"/>
+            <a:ext cx="10965122" cy="1660707"/>
           </a:xfrm>
         </p:spPr>
         <p:txBody>
@@ -13555,7 +13555,13 @@
           <a:p>
             <a:r>
               <a:rPr lang="ru-RU" sz="2400" dirty="0"/>
-              <a:t>Рост вычислительной мощности смартфона</a:t>
+              <a:t>Отсутствие устойчивого спутникового сигнала внутри помещений</a:t>
+            </a:r>
+          </a:p>
+          <a:p>
+            <a:r>
+              <a:rPr lang="ru-RU" sz="2400" dirty="0"/>
+              <a:t>Строительство больших зданий</a:t>
             </a:r>
           </a:p>
           <a:p>
@@ -13567,15 +13573,7 @@
           <a:p>
             <a:r>
               <a:rPr lang="ru-RU" sz="2400" dirty="0"/>
-              <a:t>Отсутствие устойчивого сигнала </a:t>
-            </a:r>
-            <a:r>
-              <a:rPr lang="en-US" sz="2400" dirty="0"/>
-              <a:t>GPS</a:t>
-            </a:r>
-            <a:r>
-              <a:rPr lang="ru-RU" sz="2400" dirty="0"/>
-              <a:t>/ГЛОНАСС внутри помещений</a:t>
+              <a:t>Рост вычислительной мощности смартфона</a:t>
             </a:r>
           </a:p>
         </p:txBody>
@@ -13653,10 +13651,10 @@
       </p:sp>
       <p:pic>
         <p:nvPicPr>
-          <p:cNvPr id="1026" name="Picture 2">
+          <p:cNvPr id="4" name="Picture 2" descr="https://a.d-cd.net/424fcd2s-960.jpg">
             <a:extLst>
               <a:ext uri="{FF2B5EF4-FFF2-40B4-BE49-F238E27FC236}">
-                <a16:creationId xmlns:a16="http://schemas.microsoft.com/office/drawing/2014/main" id="{ACDB40C9-0CFA-4A02-A99F-0D0ABFA54053}"/>
+                <a16:creationId xmlns:a16="http://schemas.microsoft.com/office/drawing/2014/main" id="{1CD3A3A8-E0D8-4129-A2AC-056F98F39C8D}"/>
               </a:ext>
             </a:extLst>
           </p:cNvPr>
@@ -13666,7 +13664,7 @@
           <p:nvPr/>
         </p:nvPicPr>
         <p:blipFill>
-          <a:blip r:embed="rId2" cstate="print">
+          <a:blip r:embed="rId2">
             <a:extLst>
               <a:ext uri="{28A0092B-C50C-407E-A947-70E740481C1C}">
                 <a14:useLocalDpi xmlns:a14="http://schemas.microsoft.com/office/drawing/2010/main" val="0"/>
@@ -13680,8 +13678,8 @@
         </p:blipFill>
         <p:spPr bwMode="auto">
           <a:xfrm>
-            <a:off x="7910804" y="4373131"/>
-            <a:ext cx="3358902" cy="1889191"/>
+            <a:off x="838622" y="2865545"/>
+            <a:ext cx="4752528" cy="3058340"/>
           </a:xfrm>
           <a:prstGeom prst="rect">
             <a:avLst/>
@@ -13700,10 +13698,10 @@
       </p:pic>
       <p:pic>
         <p:nvPicPr>
-          <p:cNvPr id="2" name="Picture 2">
+          <p:cNvPr id="6" name="Picture 2">
             <a:extLst>
               <a:ext uri="{FF2B5EF4-FFF2-40B4-BE49-F238E27FC236}">
-                <a16:creationId xmlns:a16="http://schemas.microsoft.com/office/drawing/2014/main" id="{512D445D-8D43-493B-9971-8DAADF1606B6}"/>
+                <a16:creationId xmlns:a16="http://schemas.microsoft.com/office/drawing/2014/main" id="{78884FE5-D250-4BC5-B33E-D6F111DD9F37}"/>
               </a:ext>
             </a:extLst>
           </p:cNvPr>
@@ -13727,8 +13725,8 @@
         </p:blipFill>
         <p:spPr bwMode="auto">
           <a:xfrm>
-            <a:off x="8039422" y="2211324"/>
-            <a:ext cx="3101666" cy="2067778"/>
+            <a:off x="10221812" y="1003973"/>
+            <a:ext cx="1368152" cy="1362475"/>
           </a:xfrm>
           <a:prstGeom prst="rect">
             <a:avLst/>
@@ -13747,10 +13745,10 @@
       </p:pic>
       <p:pic>
         <p:nvPicPr>
-          <p:cNvPr id="4" name="Picture 2" descr="https://a.d-cd.net/424fcd2s-960.jpg">
+          <p:cNvPr id="1028" name="Picture 4">
             <a:extLst>
               <a:ext uri="{FF2B5EF4-FFF2-40B4-BE49-F238E27FC236}">
-                <a16:creationId xmlns:a16="http://schemas.microsoft.com/office/drawing/2014/main" id="{1CD3A3A8-E0D8-4129-A2AC-056F98F39C8D}"/>
+                <a16:creationId xmlns:a16="http://schemas.microsoft.com/office/drawing/2014/main" id="{E1C7DF3F-F0A1-48A3-8C56-D8E0F25B5F3F}"/>
               </a:ext>
             </a:extLst>
           </p:cNvPr>
@@ -13760,7 +13758,7 @@
           <p:nvPr/>
         </p:nvPicPr>
         <p:blipFill>
-          <a:blip r:embed="rId4">
+          <a:blip r:embed="rId4" cstate="print">
             <a:extLst>
               <a:ext uri="{28A0092B-C50C-407E-A947-70E740481C1C}">
                 <a14:useLocalDpi xmlns:a14="http://schemas.microsoft.com/office/drawing/2010/main" val="0"/>
@@ -13774,8 +13772,8 @@
         </p:blipFill>
         <p:spPr bwMode="auto">
           <a:xfrm>
-            <a:off x="1990750" y="3015858"/>
-            <a:ext cx="4752528" cy="3058340"/>
+            <a:off x="7031310" y="2978767"/>
+            <a:ext cx="3529834" cy="3058340"/>
           </a:xfrm>
           <a:prstGeom prst="rect">
             <a:avLst/>
@@ -13885,7 +13883,7 @@
           <p:nvPr>
             <p:extLst>
               <p:ext uri="{D42A27DB-BD31-4B8C-83A1-F6EECF244321}">
-                <p14:modId xmlns:p14="http://schemas.microsoft.com/office/powerpoint/2010/main" val="596212230"/>
+                <p14:modId xmlns:p14="http://schemas.microsoft.com/office/powerpoint/2010/main" val="3637528416"/>
               </p:ext>
             </p:extLst>
           </p:nvPr>
@@ -14231,6 +14229,53 @@
           </a:p>
         </p:txBody>
       </p:sp>
+      <p:pic>
+        <p:nvPicPr>
+          <p:cNvPr id="2056" name="Picture 8">
+            <a:extLst>
+              <a:ext uri="{FF2B5EF4-FFF2-40B4-BE49-F238E27FC236}">
+                <a16:creationId xmlns:a16="http://schemas.microsoft.com/office/drawing/2014/main" id="{94B7B65E-F7BA-4AE2-8A53-B398585AB196}"/>
+              </a:ext>
+            </a:extLst>
+          </p:cNvPr>
+          <p:cNvPicPr>
+            <a:picLocks noChangeAspect="1" noChangeArrowheads="1"/>
+          </p:cNvPicPr>
+          <p:nvPr/>
+        </p:nvPicPr>
+        <p:blipFill>
+          <a:blip r:embed="rId7" cstate="print">
+            <a:extLst>
+              <a:ext uri="{28A0092B-C50C-407E-A947-70E740481C1C}">
+                <a14:useLocalDpi xmlns:a14="http://schemas.microsoft.com/office/drawing/2010/main" val="0"/>
+              </a:ext>
+            </a:extLst>
+          </a:blip>
+          <a:srcRect/>
+          <a:stretch>
+            <a:fillRect/>
+          </a:stretch>
+        </p:blipFill>
+        <p:spPr bwMode="auto">
+          <a:xfrm>
+            <a:off x="6095206" y="1318893"/>
+            <a:ext cx="1308769" cy="1308769"/>
+          </a:xfrm>
+          <a:prstGeom prst="rect">
+            <a:avLst/>
+          </a:prstGeom>
+          <a:noFill/>
+          <a:extLst>
+            <a:ext uri="{909E8E84-426E-40DD-AFC4-6F175D3DCCD1}">
+              <a14:hiddenFill xmlns:a14="http://schemas.microsoft.com/office/drawing/2010/main">
+                <a:solidFill>
+                  <a:srgbClr val="FFFFFF"/>
+                </a:solidFill>
+              </a14:hiddenFill>
+            </a:ext>
+          </a:extLst>
+        </p:spPr>
+      </p:pic>
     </p:spTree>
     <p:extLst>
       <p:ext uri="{BB962C8B-B14F-4D97-AF65-F5344CB8AC3E}">
@@ -14878,8 +14923,8 @@
         </p:nvSpPr>
         <p:spPr>
           <a:xfrm>
-            <a:off x="313376" y="4250456"/>
-            <a:ext cx="3422542" cy="1200329"/>
+            <a:off x="560752" y="4320628"/>
+            <a:ext cx="3422542" cy="1631216"/>
           </a:xfrm>
           <a:prstGeom prst="rect">
             <a:avLst/>
@@ -14897,7 +14942,7 @@
               </a:spcAft>
             </a:pPr>
             <a:r>
-              <a:rPr lang="ru-RU" dirty="0">
+              <a:rPr lang="ru-RU" sz="2000" dirty="0">
                 <a:latin typeface="Arial" panose="020B0604020202020204" pitchFamily="34" charset="0"/>
                 <a:ea typeface="Calibri" panose="020F0502020204030204" pitchFamily="34" charset="0"/>
                 <a:cs typeface="Arial" panose="020B0604020202020204" pitchFamily="34" charset="0"/>
@@ -14921,7 +14966,7 @@
         </p:nvSpPr>
         <p:spPr>
           <a:xfrm>
-            <a:off x="5242280" y="906156"/>
+            <a:off x="5400409" y="906156"/>
             <a:ext cx="1800493" cy="369332"/>
           </a:xfrm>
           <a:prstGeom prst="rect">
@@ -14969,8 +15014,8 @@
         </p:nvSpPr>
         <p:spPr>
           <a:xfrm>
-            <a:off x="4502089" y="4233862"/>
-            <a:ext cx="3321310" cy="1200329"/>
+            <a:off x="4734121" y="4320628"/>
+            <a:ext cx="3321310" cy="1323439"/>
           </a:xfrm>
           <a:prstGeom prst="rect">
             <a:avLst/>
@@ -14984,11 +15029,11 @@
           <a:p>
             <a:pPr indent="450215" algn="just"/>
             <a:r>
-              <a:rPr lang="ru-RU" dirty="0">
+              <a:rPr lang="ru-RU" sz="2000" dirty="0">
                 <a:latin typeface="Arial" panose="020B0604020202020204" pitchFamily="34" charset="0"/>
                 <a:cs typeface="Arial" panose="020B0604020202020204" pitchFamily="34" charset="0"/>
               </a:rPr>
-              <a:t>Главный недостаток системы заключается в том, что для навигации используются метки.</a:t>
+              <a:t>Недостаток этой системы заключается в том, что для навигации используются метки.</a:t>
             </a:r>
           </a:p>
         </p:txBody>
@@ -15020,7 +15065,7 @@
         </p:blipFill>
         <p:spPr bwMode="auto">
           <a:xfrm>
-            <a:off x="4502088" y="1544465"/>
+            <a:off x="4698117" y="1544464"/>
             <a:ext cx="3393318" cy="2308324"/>
           </a:xfrm>
           <a:prstGeom prst="rect">
@@ -15046,7 +15091,7 @@
         </p:nvSpPr>
         <p:spPr>
           <a:xfrm>
-            <a:off x="8571041" y="906156"/>
+            <a:off x="8694356" y="906156"/>
             <a:ext cx="1800493" cy="369332"/>
           </a:xfrm>
           <a:prstGeom prst="rect">
@@ -15088,8 +15133,8 @@
         </p:nvSpPr>
         <p:spPr>
           <a:xfrm>
-            <a:off x="8457660" y="4267425"/>
-            <a:ext cx="2928643" cy="1477328"/>
+            <a:off x="8694356" y="4320628"/>
+            <a:ext cx="2928643" cy="1631216"/>
           </a:xfrm>
           <a:prstGeom prst="rect">
             <a:avLst/>
@@ -15103,11 +15148,11 @@
           <a:p>
             <a:pPr indent="450215" algn="just"/>
             <a:r>
-              <a:rPr lang="ru-RU" dirty="0">
+              <a:rPr lang="ru-RU" sz="2000" dirty="0">
                 <a:latin typeface="Arial" panose="020B0604020202020204" pitchFamily="34" charset="0"/>
                 <a:cs typeface="Arial" panose="020B0604020202020204" pitchFamily="34" charset="0"/>
               </a:rPr>
-              <a:t>К недостаткам данной системы необходимо отнести обязательное наличие датчика в обуви.</a:t>
+              <a:t>Недостаток этой данной системы необходимо отнести обязательное наличие датчика в обуви.</a:t>
             </a:r>
           </a:p>
         </p:txBody>
@@ -15139,7 +15184,7 @@
         </p:blipFill>
         <p:spPr bwMode="auto">
           <a:xfrm>
-            <a:off x="9047534" y="1369409"/>
+            <a:off x="9186569" y="1369409"/>
             <a:ext cx="1944216" cy="2658435"/>
           </a:xfrm>
           <a:prstGeom prst="rect">

--- a/Диплом/6223 Мавлютов В.Д. Презентация.pptx
+++ b/Диплом/6223 Мавлютов В.Д. Презентация.pptx
@@ -7017,7 +7017,7 @@
           <a:p>
             <a:fld id="{53C77590-BFB8-41C1-9934-3E9D93CB747F}" type="datetimeFigureOut">
               <a:rPr lang="ru-RU" smtClean="0"/>
-              <a:t>27.05.2021</a:t>
+              <a:t>31.05.2021</a:t>
             </a:fld>
             <a:endParaRPr lang="ru-RU"/>
           </a:p>
@@ -7463,7 +7463,7 @@
           <a:p>
             <a:fld id="{2E1FEAF3-9EA9-4E4D-ACE9-F210CFF472D4}" type="datetime1">
               <a:rPr lang="ru-RU" smtClean="0"/>
-              <a:t>27.05.2021</a:t>
+              <a:t>31.05.2021</a:t>
             </a:fld>
             <a:endParaRPr lang="ru-RU"/>
           </a:p>
@@ -7631,7 +7631,7 @@
           <a:p>
             <a:fld id="{6072DF79-AD55-4BBF-AF0E-B3006BD9FC63}" type="datetime1">
               <a:rPr lang="ru-RU" smtClean="0"/>
-              <a:t>27.05.2021</a:t>
+              <a:t>31.05.2021</a:t>
             </a:fld>
             <a:endParaRPr lang="ru-RU"/>
           </a:p>
@@ -7809,7 +7809,7 @@
           <a:p>
             <a:fld id="{A8D09B17-A5AA-4114-B340-E9B3D535CAF1}" type="datetime1">
               <a:rPr lang="ru-RU" smtClean="0"/>
-              <a:t>27.05.2021</a:t>
+              <a:t>31.05.2021</a:t>
             </a:fld>
             <a:endParaRPr lang="ru-RU"/>
           </a:p>
@@ -7977,7 +7977,7 @@
           <a:p>
             <a:fld id="{BBDF64E6-2A5B-429D-84D2-1CEB73CFD494}" type="datetime1">
               <a:rPr lang="ru-RU" smtClean="0"/>
-              <a:t>27.05.2021</a:t>
+              <a:t>31.05.2021</a:t>
             </a:fld>
             <a:endParaRPr lang="ru-RU"/>
           </a:p>
@@ -8222,7 +8222,7 @@
           <a:p>
             <a:fld id="{9D7D6FD7-2330-440F-8729-44A50140D3A0}" type="datetime1">
               <a:rPr lang="ru-RU" smtClean="0"/>
-              <a:t>27.05.2021</a:t>
+              <a:t>31.05.2021</a:t>
             </a:fld>
             <a:endParaRPr lang="ru-RU"/>
           </a:p>
@@ -8507,7 +8507,7 @@
           <a:p>
             <a:fld id="{AD67EAE2-7930-4E8D-B42F-C75B0C353EE8}" type="datetime1">
               <a:rPr lang="ru-RU" smtClean="0"/>
-              <a:t>27.05.2021</a:t>
+              <a:t>31.05.2021</a:t>
             </a:fld>
             <a:endParaRPr lang="ru-RU"/>
           </a:p>
@@ -8926,7 +8926,7 @@
           <a:p>
             <a:fld id="{F5D6F513-D6BA-4B35-B772-88E770267A04}" type="datetime1">
               <a:rPr lang="ru-RU" smtClean="0"/>
-              <a:t>27.05.2021</a:t>
+              <a:t>31.05.2021</a:t>
             </a:fld>
             <a:endParaRPr lang="ru-RU"/>
           </a:p>
@@ -9043,7 +9043,7 @@
           <a:p>
             <a:fld id="{98307C8F-3427-4E0C-8A2A-E5C00596762D}" type="datetime1">
               <a:rPr lang="ru-RU" smtClean="0"/>
-              <a:t>27.05.2021</a:t>
+              <a:t>31.05.2021</a:t>
             </a:fld>
             <a:endParaRPr lang="ru-RU"/>
           </a:p>
@@ -9138,7 +9138,7 @@
           <a:p>
             <a:fld id="{ADE8478E-AABB-42F7-8174-B5FAD693316E}" type="datetime1">
               <a:rPr lang="ru-RU" smtClean="0"/>
-              <a:t>27.05.2021</a:t>
+              <a:t>31.05.2021</a:t>
             </a:fld>
             <a:endParaRPr lang="ru-RU"/>
           </a:p>
@@ -9413,7 +9413,7 @@
           <a:p>
             <a:fld id="{18E1BB3D-0B3A-4730-BB8B-C96F0F23C850}" type="datetime1">
               <a:rPr lang="ru-RU" smtClean="0"/>
-              <a:t>27.05.2021</a:t>
+              <a:t>31.05.2021</a:t>
             </a:fld>
             <a:endParaRPr lang="ru-RU"/>
           </a:p>
@@ -9665,7 +9665,7 @@
           <a:p>
             <a:fld id="{515F4F15-E020-44F3-BCC8-24320E990345}" type="datetime1">
               <a:rPr lang="ru-RU" smtClean="0"/>
-              <a:t>27.05.2021</a:t>
+              <a:t>31.05.2021</a:t>
             </a:fld>
             <a:endParaRPr lang="ru-RU"/>
           </a:p>
@@ -9885,7 +9885,7 @@
           <a:p>
             <a:fld id="{A22415F4-83CD-4779-9756-B7C80E8C6DAD}" type="datetime1">
               <a:rPr lang="ru-RU" smtClean="0"/>
-              <a:t>27.05.2021</a:t>
+              <a:t>31.05.2021</a:t>
             </a:fld>
             <a:endParaRPr lang="ru-RU"/>
           </a:p>
@@ -12658,8 +12658,8 @@
         </p:nvSpPr>
         <p:spPr>
           <a:xfrm>
-            <a:off x="622598" y="1347841"/>
-            <a:ext cx="10958295" cy="873572"/>
+            <a:off x="26829" y="3235301"/>
+            <a:ext cx="9596769" cy="1295868"/>
           </a:xfrm>
           <a:prstGeom prst="rect">
             <a:avLst/>
@@ -12679,30 +12679,12 @@
                 <a:spcPts val="0"/>
               </a:spcAft>
             </a:pPr>
-            <a:r>
-              <a:rPr lang="ru-RU" dirty="0">
-                <a:latin typeface="Times New Roman" panose="02020603050405020304" pitchFamily="18" charset="0"/>
-                <a:ea typeface="Times New Roman" panose="02020603050405020304" pitchFamily="18" charset="0"/>
-              </a:rPr>
-              <a:t>Проведенные в </a:t>
-            </a:r>
-            <a:r>
-              <a:rPr lang="ru-RU" dirty="0" err="1">
-                <a:latin typeface="Times New Roman" panose="02020603050405020304" pitchFamily="18" charset="0"/>
-                <a:ea typeface="Times New Roman" panose="02020603050405020304" pitchFamily="18" charset="0"/>
-              </a:rPr>
-              <a:t>ВКР</a:t>
-            </a:r>
-            <a:r>
-              <a:rPr lang="ru-RU" dirty="0">
-                <a:latin typeface="Times New Roman" panose="02020603050405020304" pitchFamily="18" charset="0"/>
-                <a:ea typeface="Times New Roman" panose="02020603050405020304" pitchFamily="18" charset="0"/>
-              </a:rPr>
-              <a:t> исследования показали следующую ошибку по отношению к эталонной траектории:</a:t>
-            </a:r>
-          </a:p>
-          <a:p>
-            <a:pPr indent="450215" algn="ctr">
+            <a:endParaRPr lang="en-US" dirty="0">
+              <a:ea typeface="Times New Roman" panose="02020603050405020304" pitchFamily="18" charset="0"/>
+            </a:endParaRPr>
+          </a:p>
+          <a:p>
+            <a:pPr indent="450215" algn="just">
               <a:lnSpc>
                 <a:spcPct val="150000"/>
               </a:lnSpc>
@@ -12711,24 +12693,11 @@
               </a:spcAft>
             </a:pPr>
             <a:r>
-              <a:rPr lang="en-US" dirty="0">
-                <a:latin typeface="Times New Roman" panose="02020603050405020304" pitchFamily="18" charset="0"/>
+              <a:rPr lang="ru-RU" dirty="0">
                 <a:ea typeface="Times New Roman" panose="02020603050405020304" pitchFamily="18" charset="0"/>
               </a:rPr>
-              <a:t>GTE </a:t>
+              <a:t>Проведенные в ВКР исследования показали следующую ошибку по отношению к эталонной траектории:</a:t>
             </a:r>
-            <a:r>
-              <a:rPr lang="ru-RU" dirty="0">
-                <a:latin typeface="Times New Roman" panose="02020603050405020304" pitchFamily="18" charset="0"/>
-                <a:ea typeface="Times New Roman" panose="02020603050405020304" pitchFamily="18" charset="0"/>
-              </a:rPr>
-              <a:t>= 1,34%.</a:t>
-            </a:r>
-            <a:endParaRPr lang="ru-RU" sz="1600" dirty="0">
-              <a:effectLst/>
-              <a:latin typeface="Times New Roman" panose="02020603050405020304" pitchFamily="18" charset="0"/>
-              <a:ea typeface="Times New Roman" panose="02020603050405020304" pitchFamily="18" charset="0"/>
-            </a:endParaRPr>
           </a:p>
         </p:txBody>
       </p:sp>
@@ -12747,14 +12716,14 @@
           <p:nvPr>
             <p:extLst>
               <p:ext uri="{D42A27DB-BD31-4B8C-83A1-F6EECF244321}">
-                <p14:modId xmlns:p14="http://schemas.microsoft.com/office/powerpoint/2010/main" val="4018154078"/>
+                <p14:modId xmlns:p14="http://schemas.microsoft.com/office/powerpoint/2010/main" val="3310830016"/>
               </p:ext>
             </p:extLst>
           </p:nvPr>
         </p:nvGraphicFramePr>
         <p:xfrm>
-          <a:off x="859616" y="3284984"/>
-          <a:ext cx="10471180" cy="2151072"/>
+          <a:off x="550590" y="4891412"/>
+          <a:ext cx="8856985" cy="1005840"/>
         </p:xfrm>
         <a:graphic>
           <a:graphicData uri="http://schemas.openxmlformats.org/drawingml/2006/table">
@@ -12763,35 +12732,35 @@
                 <a:tableStyleId>{5C22544A-7EE6-4342-B048-85BDC9FD1C3A}</a:tableStyleId>
               </a:tblPr>
               <a:tblGrid>
-                <a:gridCol w="2094236">
+                <a:gridCol w="1771397">
                   <a:extLst>
                     <a:ext uri="{9D8B030D-6E8A-4147-A177-3AD203B41FA5}">
                       <a16:colId xmlns:a16="http://schemas.microsoft.com/office/drawing/2014/main" val="576001798"/>
                     </a:ext>
                   </a:extLst>
                 </a:gridCol>
-                <a:gridCol w="2094236">
+                <a:gridCol w="1771397">
                   <a:extLst>
                     <a:ext uri="{9D8B030D-6E8A-4147-A177-3AD203B41FA5}">
                       <a16:colId xmlns:a16="http://schemas.microsoft.com/office/drawing/2014/main" val="2511962111"/>
                     </a:ext>
                   </a:extLst>
                 </a:gridCol>
-                <a:gridCol w="2094236">
+                <a:gridCol w="1771397">
                   <a:extLst>
                     <a:ext uri="{9D8B030D-6E8A-4147-A177-3AD203B41FA5}">
                       <a16:colId xmlns:a16="http://schemas.microsoft.com/office/drawing/2014/main" val="1970244214"/>
                     </a:ext>
                   </a:extLst>
                 </a:gridCol>
-                <a:gridCol w="2094236">
+                <a:gridCol w="1771397">
                   <a:extLst>
                     <a:ext uri="{9D8B030D-6E8A-4147-A177-3AD203B41FA5}">
                       <a16:colId xmlns:a16="http://schemas.microsoft.com/office/drawing/2014/main" val="401834760"/>
                     </a:ext>
                   </a:extLst>
                 </a:gridCol>
-                <a:gridCol w="2094236">
+                <a:gridCol w="1771397">
                   <a:extLst>
                     <a:ext uri="{9D8B030D-6E8A-4147-A177-3AD203B41FA5}">
                       <a16:colId xmlns:a16="http://schemas.microsoft.com/office/drawing/2014/main" val="2340792529"/>
@@ -12799,7 +12768,7 @@
                   </a:extLst>
                 </a:gridCol>
               </a:tblGrid>
-              <a:tr h="1106956">
+              <a:tr h="180561">
                 <a:tc>
                   <a:txBody>
                     <a:bodyPr/>
@@ -12884,7 +12853,7 @@
                   </a:ext>
                 </a:extLst>
               </a:tr>
-              <a:tr h="1044116">
+              <a:tr h="170311">
                 <a:tc>
                   <a:txBody>
                     <a:bodyPr/>
@@ -12966,6 +12935,267 @@
           </a:graphicData>
         </a:graphic>
       </p:graphicFrame>
+      <p:pic>
+        <p:nvPicPr>
+          <p:cNvPr id="6" name="Picture 6" descr="https://sun9-6.userapi.com/impg/r0WasdIGI8-rH4OAj4RDy6QiQtwh3kzoRIOagg/UmpzbCsTF5o.jpg?size=1156x2160&amp;quality=96&amp;sign=611431604920bb6d6d60c25311f6b6ae&amp;type=album">
+            <a:extLst>
+              <a:ext uri="{FF2B5EF4-FFF2-40B4-BE49-F238E27FC236}">
+                <a16:creationId xmlns:a16="http://schemas.microsoft.com/office/drawing/2014/main" id="{CDA3A5A2-C3C9-460F-AA94-62C477AC59A2}"/>
+              </a:ext>
+            </a:extLst>
+          </p:cNvPr>
+          <p:cNvPicPr>
+            <a:picLocks noChangeAspect="1" noChangeArrowheads="1"/>
+          </p:cNvPicPr>
+          <p:nvPr/>
+        </p:nvPicPr>
+        <p:blipFill>
+          <a:blip r:embed="rId2" cstate="print">
+            <a:extLst>
+              <a:ext uri="{28A0092B-C50C-407E-A947-70E740481C1C}">
+                <a14:useLocalDpi xmlns:a14="http://schemas.microsoft.com/office/drawing/2010/main" val="0"/>
+              </a:ext>
+            </a:extLst>
+          </a:blip>
+          <a:srcRect/>
+          <a:stretch>
+            <a:fillRect/>
+          </a:stretch>
+        </p:blipFill>
+        <p:spPr bwMode="auto">
+          <a:xfrm>
+            <a:off x="9695606" y="1168330"/>
+            <a:ext cx="2259064" cy="4464496"/>
+          </a:xfrm>
+          <a:prstGeom prst="rect">
+            <a:avLst/>
+          </a:prstGeom>
+          <a:noFill/>
+          <a:extLst>
+            <a:ext uri="{909E8E84-426E-40DD-AFC4-6F175D3DCCD1}">
+              <a14:hiddenFill xmlns:a14="http://schemas.microsoft.com/office/drawing/2010/main">
+                <a:solidFill>
+                  <a:srgbClr val="FFFFFF"/>
+                </a:solidFill>
+              </a14:hiddenFill>
+            </a:ext>
+          </a:extLst>
+        </p:spPr>
+      </p:pic>
+      <mc:AlternateContent xmlns:mc="http://schemas.openxmlformats.org/markup-compatibility/2006">
+        <mc:Choice xmlns:a14="http://schemas.microsoft.com/office/drawing/2010/main" Requires="a14">
+          <p:sp>
+            <p:nvSpPr>
+              <p:cNvPr id="18" name="TextBox 17">
+                <a:extLst>
+                  <a:ext uri="{FF2B5EF4-FFF2-40B4-BE49-F238E27FC236}">
+                    <a16:creationId xmlns:a16="http://schemas.microsoft.com/office/drawing/2014/main" id="{3847574C-D24C-42EB-B8C2-3574BF17F349}"/>
+                  </a:ext>
+                </a:extLst>
+              </p:cNvPr>
+              <p:cNvSpPr txBox="1"/>
+              <p:nvPr/>
+            </p:nvSpPr>
+            <p:spPr>
+              <a:xfrm>
+                <a:off x="550590" y="815255"/>
+                <a:ext cx="8856984" cy="2585323"/>
+              </a:xfrm>
+              <a:prstGeom prst="rect">
+                <a:avLst/>
+              </a:prstGeom>
+              <a:noFill/>
+            </p:spPr>
+            <p:txBody>
+              <a:bodyPr wrap="square">
+                <a:spAutoFit/>
+              </a:bodyPr>
+              <a:lstStyle/>
+              <a:p>
+                <a:r>
+                  <a:rPr lang="ru-RU" dirty="0"/>
+                  <a:t>Оценка результатов проводилась по параметру </a:t>
+                </a:r>
+                <a:r>
+                  <a:rPr lang="en-US" dirty="0"/>
+                  <a:t>GTE (Ground Truth Error) – </a:t>
+                </a:r>
+                <a:r>
+                  <a:rPr lang="ru-RU" dirty="0"/>
+                  <a:t>это максимальная ошибка по отношению к эталонной траектории.</a:t>
+                </a:r>
+              </a:p>
+              <a:p>
+                <a:endParaRPr lang="ru-RU" dirty="0"/>
+              </a:p>
+              <a:p>
+                <a:pPr algn="ctr"/>
+                <a:r>
+                  <a:rPr lang="ru-RU" dirty="0"/>
+                  <a:t>	</a:t>
+                </a:r>
+                <a:r>
+                  <a:rPr lang="en-US" dirty="0">
+                    <a:latin typeface="Arial Black" panose="020B0A04020102020204" pitchFamily="34" charset="0"/>
+                  </a:rPr>
+                  <a:t>GTE=max⁡(|</a:t>
+                </a:r>
+                <a:r>
+                  <a:rPr lang="en-US" dirty="0" err="1">
+                    <a:latin typeface="Arial Black" panose="020B0A04020102020204" pitchFamily="34" charset="0"/>
+                  </a:rPr>
+                  <a:t>GTT</a:t>
+                </a:r>
+                <a14:m>
+                  <m:oMath xmlns:m="http://schemas.openxmlformats.org/officeDocument/2006/math">
+                    <m:r>
+                      <a:rPr lang="ru-RU" b="0" i="1"/>
+                      <m:t>𝑖</m:t>
+                    </m:r>
+                  </m:oMath>
+                </a14:m>
+                <a:r>
+                  <a:rPr lang="en-US" dirty="0">
+                    <a:latin typeface="Arial Black" panose="020B0A04020102020204" pitchFamily="34" charset="0"/>
+                  </a:rPr>
+                  <a:t>-IMUT</a:t>
+                </a:r>
+                <a14:m>
+                  <m:oMath xmlns:m="http://schemas.openxmlformats.org/officeDocument/2006/math">
+                    <m:r>
+                      <a:rPr lang="ru-RU" sz="1800" b="0" i="1" smtClean="0">
+                        <a:effectLst/>
+                        <a:latin typeface="Cambria Math" panose="02040503050406030204" pitchFamily="18" charset="0"/>
+                        <a:ea typeface="Times New Roman" panose="02020603050405020304" pitchFamily="18" charset="0"/>
+                        <a:cs typeface="Times New Roman" panose="02020603050405020304" pitchFamily="18" charset="0"/>
+                      </a:rPr>
+                      <m:t>𝑖</m:t>
+                    </m:r>
+                  </m:oMath>
+                </a14:m>
+                <a:r>
+                  <a:rPr lang="en-US" dirty="0">
+                    <a:latin typeface="Arial Black" panose="020B0A04020102020204" pitchFamily="34" charset="0"/>
+                  </a:rPr>
+                  <a:t> |),</a:t>
+                </a:r>
+                <a:r>
+                  <a:rPr lang="en-US" dirty="0" err="1">
+                    <a:latin typeface="Arial Black" panose="020B0A04020102020204" pitchFamily="34" charset="0"/>
+                  </a:rPr>
+                  <a:t>i</a:t>
+                </a:r>
+                <a:r>
+                  <a:rPr lang="en-US" dirty="0">
+                    <a:latin typeface="Arial Black" panose="020B0A04020102020204" pitchFamily="34" charset="0"/>
+                  </a:rPr>
+                  <a:t>=1..I,</a:t>
+                </a:r>
+                <a:r>
+                  <a:rPr lang="en-US" dirty="0"/>
+                  <a:t>	</a:t>
+                </a:r>
+              </a:p>
+              <a:p>
+                <a:endParaRPr lang="en-US" dirty="0"/>
+              </a:p>
+              <a:p>
+                <a:r>
+                  <a:rPr lang="ru-RU" dirty="0"/>
+                  <a:t>где </a:t>
+                </a:r>
+                <a:r>
+                  <a:rPr lang="en-US" dirty="0"/>
+                  <a:t>I – </a:t>
+                </a:r>
+                <a:r>
+                  <a:rPr lang="ru-RU" dirty="0"/>
+                  <a:t>общее количество точек траектории; </a:t>
+                </a:r>
+              </a:p>
+              <a:p>
+                <a14:m>
+                  <m:oMath xmlns:m="http://schemas.openxmlformats.org/officeDocument/2006/math">
+                    <m:r>
+                      <a:rPr lang="ru-RU" sz="1800" i="1" smtClean="0">
+                        <a:effectLst/>
+                        <a:latin typeface="Cambria Math" panose="02040503050406030204" pitchFamily="18" charset="0"/>
+                        <a:ea typeface="Times New Roman" panose="02020603050405020304" pitchFamily="18" charset="0"/>
+                        <a:cs typeface="Times New Roman" panose="02020603050405020304" pitchFamily="18" charset="0"/>
+                      </a:rPr>
+                      <m:t>𝑖</m:t>
+                    </m:r>
+                  </m:oMath>
+                </a14:m>
+                <a:r>
+                  <a:rPr lang="en-US" dirty="0"/>
+                  <a:t> – </a:t>
+                </a:r>
+                <a:r>
+                  <a:rPr lang="ru-RU" dirty="0"/>
+                  <a:t>порядковый номер точки траектории;</a:t>
+                </a:r>
+              </a:p>
+              <a:p>
+                <a:r>
+                  <a:rPr lang="en-US" dirty="0"/>
+                  <a:t>GTT– Ground Truth trajectory;</a:t>
+                </a:r>
+              </a:p>
+              <a:p>
+                <a:r>
+                  <a:rPr lang="en-US" dirty="0"/>
+                  <a:t>IMUT – Initial Measurement Unit Trajectory.</a:t>
+                </a:r>
+              </a:p>
+            </p:txBody>
+          </p:sp>
+        </mc:Choice>
+        <mc:Fallback>
+          <p:sp>
+            <p:nvSpPr>
+              <p:cNvPr id="18" name="TextBox 17">
+                <a:extLst>
+                  <a:ext uri="{FF2B5EF4-FFF2-40B4-BE49-F238E27FC236}">
+                    <a16:creationId xmlns:a16="http://schemas.microsoft.com/office/drawing/2014/main" id="{3847574C-D24C-42EB-B8C2-3574BF17F349}"/>
+                  </a:ext>
+                </a:extLst>
+              </p:cNvPr>
+              <p:cNvSpPr txBox="1">
+                <a:spLocks noRot="1" noChangeAspect="1" noMove="1" noResize="1" noEditPoints="1" noAdjustHandles="1" noChangeArrowheads="1" noChangeShapeType="1" noTextEdit="1"/>
+              </p:cNvSpPr>
+              <p:nvPr/>
+            </p:nvSpPr>
+            <p:spPr>
+              <a:xfrm>
+                <a:off x="550590" y="815255"/>
+                <a:ext cx="8856984" cy="2585323"/>
+              </a:xfrm>
+              <a:prstGeom prst="rect">
+                <a:avLst/>
+              </a:prstGeom>
+              <a:blipFill>
+                <a:blip r:embed="rId3"/>
+                <a:stretch>
+                  <a:fillRect l="-551" t="-1415" b="-2830"/>
+                </a:stretch>
+              </a:blipFill>
+            </p:spPr>
+            <p:txBody>
+              <a:bodyPr/>
+              <a:lstStyle/>
+              <a:p>
+                <a:r>
+                  <a:rPr lang="ru-RU">
+                    <a:noFill/>
+                  </a:rPr>
+                  <a:t> </a:t>
+                </a:r>
+              </a:p>
+            </p:txBody>
+          </p:sp>
+        </mc:Fallback>
+      </mc:AlternateContent>
     </p:spTree>
     <p:extLst>
       <p:ext uri="{BB962C8B-B14F-4D97-AF65-F5344CB8AC3E}">

--- a/Диплом/6223 Мавлютов В.Д. Презентация.pptx
+++ b/Диплом/6223 Мавлютов В.Д. Презентация.pptx
@@ -5,7 +5,7 @@
     <p:sldMasterId id="2147483648" r:id="rId1"/>
   </p:sldMasterIdLst>
   <p:notesMasterIdLst>
-    <p:notesMasterId r:id="rId18"/>
+    <p:notesMasterId r:id="rId17"/>
   </p:notesMasterIdLst>
   <p:sldIdLst>
     <p:sldId id="260" r:id="rId2"/>
@@ -23,7 +23,6 @@
     <p:sldId id="279" r:id="rId14"/>
     <p:sldId id="278" r:id="rId15"/>
     <p:sldId id="268" r:id="rId16"/>
-    <p:sldId id="267" r:id="rId17"/>
   </p:sldIdLst>
   <p:sldSz cx="12190413" cy="6858000"/>
   <p:notesSz cx="6858000" cy="9144000"/>
@@ -2087,7 +2086,21 @@
               <a:latin typeface="Arial" panose="020B0604020202020204" pitchFamily="34" charset="0"/>
               <a:cs typeface="Arial" panose="020B0604020202020204" pitchFamily="34" charset="0"/>
             </a:rPr>
-            <a:t>Bluetooth/</a:t>
+            <a:t>Bluetooth</a:t>
+          </a:r>
+          <a:r>
+            <a:rPr lang="ru-RU" dirty="0">
+              <a:latin typeface="Arial" panose="020B0604020202020204" pitchFamily="34" charset="0"/>
+              <a:cs typeface="Arial" panose="020B0604020202020204" pitchFamily="34" charset="0"/>
+            </a:rPr>
+            <a:t> </a:t>
+          </a:r>
+          <a:r>
+            <a:rPr lang="en-US" dirty="0">
+              <a:latin typeface="Arial" panose="020B0604020202020204" pitchFamily="34" charset="0"/>
+              <a:cs typeface="Arial" panose="020B0604020202020204" pitchFamily="34" charset="0"/>
+            </a:rPr>
+            <a:t>/</a:t>
           </a:r>
           <a:br>
             <a:rPr lang="ru-RU" dirty="0">
@@ -3518,7 +3531,21 @@
               <a:latin typeface="Arial" panose="020B0604020202020204" pitchFamily="34" charset="0"/>
               <a:cs typeface="Arial" panose="020B0604020202020204" pitchFamily="34" charset="0"/>
             </a:rPr>
-            <a:t>Bluetooth/</a:t>
+            <a:t>Bluetooth</a:t>
+          </a:r>
+          <a:r>
+            <a:rPr lang="ru-RU" sz="3600" kern="1200" dirty="0">
+              <a:latin typeface="Arial" panose="020B0604020202020204" pitchFamily="34" charset="0"/>
+              <a:cs typeface="Arial" panose="020B0604020202020204" pitchFamily="34" charset="0"/>
+            </a:rPr>
+            <a:t> </a:t>
+          </a:r>
+          <a:r>
+            <a:rPr lang="en-US" sz="3600" kern="1200" dirty="0">
+              <a:latin typeface="Arial" panose="020B0604020202020204" pitchFamily="34" charset="0"/>
+              <a:cs typeface="Arial" panose="020B0604020202020204" pitchFamily="34" charset="0"/>
+            </a:rPr>
+            <a:t>/</a:t>
           </a:r>
           <a:br>
             <a:rPr lang="ru-RU" sz="3600" kern="1200" dirty="0">
@@ -7017,7 +7044,7 @@
           <a:p>
             <a:fld id="{53C77590-BFB8-41C1-9934-3E9D93CB747F}" type="datetimeFigureOut">
               <a:rPr lang="ru-RU" smtClean="0"/>
-              <a:t>31.05.2021</a:t>
+              <a:t>01.06.2021</a:t>
             </a:fld>
             <a:endParaRPr lang="ru-RU"/>
           </a:p>
@@ -7463,7 +7490,7 @@
           <a:p>
             <a:fld id="{2E1FEAF3-9EA9-4E4D-ACE9-F210CFF472D4}" type="datetime1">
               <a:rPr lang="ru-RU" smtClean="0"/>
-              <a:t>31.05.2021</a:t>
+              <a:t>01.06.2021</a:t>
             </a:fld>
             <a:endParaRPr lang="ru-RU"/>
           </a:p>
@@ -7631,7 +7658,7 @@
           <a:p>
             <a:fld id="{6072DF79-AD55-4BBF-AF0E-B3006BD9FC63}" type="datetime1">
               <a:rPr lang="ru-RU" smtClean="0"/>
-              <a:t>31.05.2021</a:t>
+              <a:t>01.06.2021</a:t>
             </a:fld>
             <a:endParaRPr lang="ru-RU"/>
           </a:p>
@@ -7809,7 +7836,7 @@
           <a:p>
             <a:fld id="{A8D09B17-A5AA-4114-B340-E9B3D535CAF1}" type="datetime1">
               <a:rPr lang="ru-RU" smtClean="0"/>
-              <a:t>31.05.2021</a:t>
+              <a:t>01.06.2021</a:t>
             </a:fld>
             <a:endParaRPr lang="ru-RU"/>
           </a:p>
@@ -7977,7 +8004,7 @@
           <a:p>
             <a:fld id="{BBDF64E6-2A5B-429D-84D2-1CEB73CFD494}" type="datetime1">
               <a:rPr lang="ru-RU" smtClean="0"/>
-              <a:t>31.05.2021</a:t>
+              <a:t>01.06.2021</a:t>
             </a:fld>
             <a:endParaRPr lang="ru-RU"/>
           </a:p>
@@ -8222,7 +8249,7 @@
           <a:p>
             <a:fld id="{9D7D6FD7-2330-440F-8729-44A50140D3A0}" type="datetime1">
               <a:rPr lang="ru-RU" smtClean="0"/>
-              <a:t>31.05.2021</a:t>
+              <a:t>01.06.2021</a:t>
             </a:fld>
             <a:endParaRPr lang="ru-RU"/>
           </a:p>
@@ -8507,7 +8534,7 @@
           <a:p>
             <a:fld id="{AD67EAE2-7930-4E8D-B42F-C75B0C353EE8}" type="datetime1">
               <a:rPr lang="ru-RU" smtClean="0"/>
-              <a:t>31.05.2021</a:t>
+              <a:t>01.06.2021</a:t>
             </a:fld>
             <a:endParaRPr lang="ru-RU"/>
           </a:p>
@@ -8926,7 +8953,7 @@
           <a:p>
             <a:fld id="{F5D6F513-D6BA-4B35-B772-88E770267A04}" type="datetime1">
               <a:rPr lang="ru-RU" smtClean="0"/>
-              <a:t>31.05.2021</a:t>
+              <a:t>01.06.2021</a:t>
             </a:fld>
             <a:endParaRPr lang="ru-RU"/>
           </a:p>
@@ -9043,7 +9070,7 @@
           <a:p>
             <a:fld id="{98307C8F-3427-4E0C-8A2A-E5C00596762D}" type="datetime1">
               <a:rPr lang="ru-RU" smtClean="0"/>
-              <a:t>31.05.2021</a:t>
+              <a:t>01.06.2021</a:t>
             </a:fld>
             <a:endParaRPr lang="ru-RU"/>
           </a:p>
@@ -9138,7 +9165,7 @@
           <a:p>
             <a:fld id="{ADE8478E-AABB-42F7-8174-B5FAD693316E}" type="datetime1">
               <a:rPr lang="ru-RU" smtClean="0"/>
-              <a:t>31.05.2021</a:t>
+              <a:t>01.06.2021</a:t>
             </a:fld>
             <a:endParaRPr lang="ru-RU"/>
           </a:p>
@@ -9413,7 +9440,7 @@
           <a:p>
             <a:fld id="{18E1BB3D-0B3A-4730-BB8B-C96F0F23C850}" type="datetime1">
               <a:rPr lang="ru-RU" smtClean="0"/>
-              <a:t>31.05.2021</a:t>
+              <a:t>01.06.2021</a:t>
             </a:fld>
             <a:endParaRPr lang="ru-RU"/>
           </a:p>
@@ -9665,7 +9692,7 @@
           <a:p>
             <a:fld id="{515F4F15-E020-44F3-BCC8-24320E990345}" type="datetime1">
               <a:rPr lang="ru-RU" smtClean="0"/>
-              <a:t>31.05.2021</a:t>
+              <a:t>01.06.2021</a:t>
             </a:fld>
             <a:endParaRPr lang="ru-RU"/>
           </a:p>
@@ -9885,7 +9912,7 @@
           <a:p>
             <a:fld id="{A22415F4-83CD-4779-9756-B7C80E8C6DAD}" type="datetime1">
               <a:rPr lang="ru-RU" smtClean="0"/>
-              <a:t>31.05.2021</a:t>
+              <a:t>01.06.2021</a:t>
             </a:fld>
             <a:endParaRPr lang="ru-RU"/>
           </a:p>
@@ -12205,7 +12232,7 @@
                 </a:solidFill>
                 <a:latin typeface="Elektra Text Pro" panose="02000503030000020004" pitchFamily="50" charset="-52"/>
               </a:rPr>
-              <a:t>Интерфейс мобильного приложения</a:t>
+              <a:t>Применение мобильного приложения</a:t>
             </a:r>
           </a:p>
         </p:txBody>
@@ -12658,8 +12685,8 @@
         </p:nvSpPr>
         <p:spPr>
           <a:xfrm>
-            <a:off x="26829" y="3235301"/>
-            <a:ext cx="9596769" cy="1295868"/>
+            <a:off x="550590" y="3235301"/>
+            <a:ext cx="9073008" cy="1295868"/>
           </a:xfrm>
           <a:prstGeom prst="rect">
             <a:avLst/>
@@ -12716,7 +12743,7 @@
           <p:nvPr>
             <p:extLst>
               <p:ext uri="{D42A27DB-BD31-4B8C-83A1-F6EECF244321}">
-                <p14:modId xmlns:p14="http://schemas.microsoft.com/office/powerpoint/2010/main" val="3310830016"/>
+                <p14:modId xmlns:p14="http://schemas.microsoft.com/office/powerpoint/2010/main" val="885819887"/>
               </p:ext>
             </p:extLst>
           </p:nvPr>
@@ -12838,9 +12865,8 @@
                       <a:r>
                         <a:rPr lang="ru-RU" dirty="0">
                           <a:latin typeface="Times New Roman" panose="02020603050405020304" pitchFamily="18" charset="0"/>
-                          <a:ea typeface="Times New Roman" panose="02020603050405020304" pitchFamily="18" charset="0"/>
                         </a:rPr>
-                        <a:t>Предложенная модель</a:t>
+                        <a:t>Разработанная система</a:t>
                       </a:r>
                       <a:endParaRPr lang="ru-RU" dirty="0"/>
                     </a:p>
@@ -13018,7 +13044,15 @@
                 </a:r>
                 <a:r>
                   <a:rPr lang="en-US" dirty="0"/>
-                  <a:t>GTE (Ground Truth Error) – </a:t>
+                  <a:t>GTE (</a:t>
+                </a:r>
+                <a:r>
+                  <a:rPr lang="ru-RU" dirty="0"/>
+                  <a:t>Истинная ошибка</a:t>
+                </a:r>
+                <a:r>
+                  <a:rPr lang="en-US" dirty="0"/>
+                  <a:t>) – </a:t>
                 </a:r>
                 <a:r>
                   <a:rPr lang="ru-RU" dirty="0"/>
@@ -13038,7 +13072,31 @@
                   <a:rPr lang="en-US" dirty="0">
                     <a:latin typeface="Arial Black" panose="020B0A04020102020204" pitchFamily="34" charset="0"/>
                   </a:rPr>
-                  <a:t>GTE=max⁡(|</a:t>
+                  <a:t>GTE</a:t>
+                </a:r>
+                <a:r>
+                  <a:rPr lang="ru-RU" dirty="0">
+                    <a:latin typeface="Arial Black" panose="020B0A04020102020204" pitchFamily="34" charset="0"/>
+                  </a:rPr>
+                  <a:t> </a:t>
+                </a:r>
+                <a:r>
+                  <a:rPr lang="en-US" dirty="0">
+                    <a:latin typeface="Arial Black" panose="020B0A04020102020204" pitchFamily="34" charset="0"/>
+                  </a:rPr>
+                  <a:t>=</a:t>
+                </a:r>
+                <a:r>
+                  <a:rPr lang="ru-RU" dirty="0">
+                    <a:latin typeface="Arial Black" panose="020B0A04020102020204" pitchFamily="34" charset="0"/>
+                  </a:rPr>
+                  <a:t> </a:t>
+                </a:r>
+                <a:r>
+                  <a:rPr lang="en-US" dirty="0">
+                    <a:latin typeface="Arial Black" panose="020B0A04020102020204" pitchFamily="34" charset="0"/>
+                  </a:rPr>
+                  <a:t>max⁡(|</a:t>
                 </a:r>
                 <a:r>
                   <a:rPr lang="en-US" dirty="0" err="1">
@@ -13049,16 +13107,36 @@
                 <a14:m>
                   <m:oMath xmlns:m="http://schemas.openxmlformats.org/officeDocument/2006/math">
                     <m:r>
-                      <a:rPr lang="ru-RU" b="0" i="1"/>
+                      <a:rPr lang="ru-RU" b="0" i="1">
+                        <a:latin typeface="Cambria Math" panose="02040503050406030204" pitchFamily="18" charset="0"/>
+                      </a:rPr>
                       <m:t>𝑖</m:t>
                     </m:r>
                   </m:oMath>
                 </a14:m>
                 <a:r>
+                  <a:rPr lang="ru-RU" dirty="0">
+                    <a:latin typeface="Arial Black" panose="020B0A04020102020204" pitchFamily="34" charset="0"/>
+                  </a:rPr>
+                  <a:t> </a:t>
+                </a:r>
+                <a:r>
                   <a:rPr lang="en-US" dirty="0">
                     <a:latin typeface="Arial Black" panose="020B0A04020102020204" pitchFamily="34" charset="0"/>
                   </a:rPr>
-                  <a:t>-IMUT</a:t>
+                  <a:t>-</a:t>
+                </a:r>
+                <a:r>
+                  <a:rPr lang="ru-RU" dirty="0">
+                    <a:latin typeface="Arial Black" panose="020B0A04020102020204" pitchFamily="34" charset="0"/>
+                  </a:rPr>
+                  <a:t> </a:t>
+                </a:r>
+                <a:r>
+                  <a:rPr lang="en-US" dirty="0">
+                    <a:latin typeface="Arial Black" panose="020B0A04020102020204" pitchFamily="34" charset="0"/>
+                  </a:rPr>
+                  <a:t>IMUT</a:t>
                 </a:r>
                 <a14:m>
                   <m:oMath xmlns:m="http://schemas.openxmlformats.org/officeDocument/2006/math">
@@ -13077,19 +13155,49 @@
                   <a:rPr lang="en-US" dirty="0">
                     <a:latin typeface="Arial Black" panose="020B0A04020102020204" pitchFamily="34" charset="0"/>
                   </a:rPr>
-                  <a:t> |),</a:t>
+                  <a:t>|),</a:t>
                 </a:r>
                 <a:r>
-                  <a:rPr lang="en-US" dirty="0" err="1">
+                  <a:rPr lang="ru-RU" dirty="0">
                     <a:latin typeface="Arial Black" panose="020B0A04020102020204" pitchFamily="34" charset="0"/>
                   </a:rPr>
-                  <a:t>i</a:t>
+                  <a:t> </a:t>
+                </a:r>
+                <a14:m>
+                  <m:oMath xmlns:m="http://schemas.openxmlformats.org/officeDocument/2006/math">
+                    <m:r>
+                      <a:rPr lang="ru-RU" i="1">
+                        <a:latin typeface="Cambria Math" panose="02040503050406030204" pitchFamily="18" charset="0"/>
+                        <a:ea typeface="Times New Roman" panose="02020603050405020304" pitchFamily="18" charset="0"/>
+                        <a:cs typeface="Times New Roman" panose="02020603050405020304" pitchFamily="18" charset="0"/>
+                      </a:rPr>
+                      <m:t>𝑖</m:t>
+                    </m:r>
+                  </m:oMath>
+                </a14:m>
+                <a:r>
+                  <a:rPr lang="ru-RU" dirty="0">
+                    <a:latin typeface="Arial Black" panose="020B0A04020102020204" pitchFamily="34" charset="0"/>
+                  </a:rPr>
+                  <a:t> </a:t>
                 </a:r>
                 <a:r>
                   <a:rPr lang="en-US" dirty="0">
                     <a:latin typeface="Arial Black" panose="020B0A04020102020204" pitchFamily="34" charset="0"/>
                   </a:rPr>
-                  <a:t>=1..I,</a:t>
+                  <a:t>=</a:t>
+                </a:r>
+                <a:r>
+                  <a:rPr lang="ru-RU" dirty="0">
+                    <a:latin typeface="Arial Black" panose="020B0A04020102020204" pitchFamily="34" charset="0"/>
+                  </a:rPr>
+                  <a:t> </a:t>
+                </a:r>
+                <a:r>
+                  <a:rPr lang="en-US" dirty="0">
+                    <a:latin typeface="Arial Black" panose="020B0A04020102020204" pitchFamily="34" charset="0"/>
+                  </a:rPr>
+                  <a:t>1..I,</a:t>
                 </a:r>
                 <a:r>
                   <a:rPr lang="en-US" dirty="0"/>
@@ -13139,13 +13247,29 @@
               <a:p>
                 <a:r>
                   <a:rPr lang="en-US" dirty="0"/>
-                  <a:t>GTT– Ground Truth trajectory;</a:t>
+                  <a:t>GTT– </a:t>
+                </a:r>
+                <a:r>
+                  <a:rPr lang="ru-RU" dirty="0"/>
+                  <a:t>реальная траектория</a:t>
+                </a:r>
+                <a:r>
+                  <a:rPr lang="en-US" dirty="0"/>
+                  <a:t>;</a:t>
                 </a:r>
               </a:p>
               <a:p>
                 <a:r>
                   <a:rPr lang="en-US" dirty="0"/>
-                  <a:t>IMUT – Initial Measurement Unit Trajectory.</a:t>
+                  <a:t>IMUT – </a:t>
+                </a:r>
+                <a:r>
+                  <a:rPr lang="ru-RU" dirty="0"/>
+                  <a:t>траектория навигационной системы</a:t>
+                </a:r>
+                <a:r>
+                  <a:rPr lang="en-US" dirty="0"/>
+                  <a:t>.</a:t>
                 </a:r>
               </a:p>
             </p:txBody>
@@ -13600,141 +13724,6 @@
     <p:extLst>
       <p:ext uri="{BB962C8B-B14F-4D97-AF65-F5344CB8AC3E}">
         <p14:creationId xmlns:p14="http://schemas.microsoft.com/office/powerpoint/2010/main" val="2474415876"/>
-      </p:ext>
-    </p:extLst>
-  </p:cSld>
-  <p:clrMapOvr>
-    <a:masterClrMapping/>
-  </p:clrMapOvr>
-</p:sld>
-</file>
-
-<file path=ppt/slides/slide16.xml><?xml version="1.0" encoding="utf-8"?>
-<p:sld xmlns:a="http://schemas.openxmlformats.org/drawingml/2006/main" xmlns:r="http://schemas.openxmlformats.org/officeDocument/2006/relationships" xmlns:p="http://schemas.openxmlformats.org/presentationml/2006/main">
-  <p:cSld>
-    <p:spTree>
-      <p:nvGrpSpPr>
-        <p:cNvPr id="1" name=""/>
-        <p:cNvGrpSpPr/>
-        <p:nvPr/>
-      </p:nvGrpSpPr>
-      <p:grpSpPr>
-        <a:xfrm>
-          <a:off x="0" y="0"/>
-          <a:ext cx="0" cy="0"/>
-          <a:chOff x="0" y="0"/>
-          <a:chExt cx="0" cy="0"/>
-        </a:xfrm>
-      </p:grpSpPr>
-      <p:sp>
-        <p:nvSpPr>
-          <p:cNvPr id="2" name="Заголовок 1"/>
-          <p:cNvSpPr>
-            <a:spLocks noGrp="1"/>
-          </p:cNvSpPr>
-          <p:nvPr>
-            <p:ph type="title"/>
-          </p:nvPr>
-        </p:nvSpPr>
-        <p:spPr/>
-        <p:txBody>
-          <a:bodyPr/>
-          <a:lstStyle/>
-          <a:p>
-            <a:endParaRPr lang="ru-RU"/>
-          </a:p>
-        </p:txBody>
-      </p:sp>
-      <p:pic>
-        <p:nvPicPr>
-          <p:cNvPr id="4" name="Рисунок 3"/>
-          <p:cNvPicPr>
-            <a:picLocks noChangeAspect="1"/>
-          </p:cNvPicPr>
-          <p:nvPr/>
-        </p:nvPicPr>
-        <p:blipFill>
-          <a:blip r:embed="rId2" cstate="print">
-            <a:extLst>
-              <a:ext uri="{28A0092B-C50C-407E-A947-70E740481C1C}">
-                <a14:useLocalDpi xmlns:a14="http://schemas.microsoft.com/office/drawing/2010/main" val="0"/>
-              </a:ext>
-            </a:extLst>
-          </a:blip>
-          <a:stretch>
-            <a:fillRect/>
-          </a:stretch>
-        </p:blipFill>
-        <p:spPr>
-          <a:xfrm>
-            <a:off x="0" y="1713"/>
-            <a:ext cx="12192000" cy="6854573"/>
-          </a:xfrm>
-          <a:prstGeom prst="rect">
-            <a:avLst/>
-          </a:prstGeom>
-        </p:spPr>
-      </p:pic>
-      <p:sp>
-        <p:nvSpPr>
-          <p:cNvPr id="5" name="TextBox 4"/>
-          <p:cNvSpPr txBox="1"/>
-          <p:nvPr/>
-        </p:nvSpPr>
-        <p:spPr>
-          <a:xfrm>
-            <a:off x="4655046" y="3121627"/>
-            <a:ext cx="7260321" cy="1015663"/>
-          </a:xfrm>
-          <a:prstGeom prst="rect">
-            <a:avLst/>
-          </a:prstGeom>
-        </p:spPr>
-        <p:txBody>
-          <a:bodyPr vert="horz" wrap="none" lIns="91440" tIns="45720" rIns="91440" bIns="45720" rtlCol="0" anchor="ctr">
-            <a:spAutoFit/>
-          </a:bodyPr>
-          <a:lstStyle/>
-          <a:p>
-            <a:r>
-              <a:rPr lang="ru-RU" sz="6000" dirty="0">
-                <a:solidFill>
-                  <a:schemeClr val="bg1"/>
-                </a:solidFill>
-                <a:latin typeface="+mj-lt"/>
-              </a:rPr>
-              <a:t>Спасибо за внимание</a:t>
-            </a:r>
-          </a:p>
-        </p:txBody>
-      </p:sp>
-      <p:sp>
-        <p:nvSpPr>
-          <p:cNvPr id="3" name="Номер слайда 2"/>
-          <p:cNvSpPr>
-            <a:spLocks noGrp="1"/>
-          </p:cNvSpPr>
-          <p:nvPr>
-            <p:ph type="sldNum" sz="quarter" idx="12"/>
-          </p:nvPr>
-        </p:nvSpPr>
-        <p:spPr/>
-        <p:txBody>
-          <a:bodyPr/>
-          <a:lstStyle/>
-          <a:p>
-            <a:fld id="{E2656834-4BAB-4DB1-9FED-8310CA017EAF}" type="slidenum">
-              <a:rPr lang="ru-RU" smtClean="0"/>
-              <a:t>16</a:t>
-            </a:fld>
-            <a:endParaRPr lang="ru-RU"/>
-          </a:p>
-        </p:txBody>
-      </p:sp>
-    </p:spTree>
-    <p:extLst>
-      <p:ext uri="{BB962C8B-B14F-4D97-AF65-F5344CB8AC3E}">
-        <p14:creationId xmlns:p14="http://schemas.microsoft.com/office/powerpoint/2010/main" val="3032140843"/>
       </p:ext>
     </p:extLst>
   </p:cSld>
@@ -14274,7 +14263,7 @@
             <p:ph idx="1"/>
             <p:extLst>
               <p:ext uri="{D42A27DB-BD31-4B8C-83A1-F6EECF244321}">
-                <p14:modId xmlns:p14="http://schemas.microsoft.com/office/powerpoint/2010/main" val="3959378903"/>
+                <p14:modId xmlns:p14="http://schemas.microsoft.com/office/powerpoint/2010/main" val="2014961535"/>
               </p:ext>
             </p:extLst>
           </p:nvPr>
@@ -15364,7 +15353,7 @@
         <p:spPr>
           <a:xfrm>
             <a:off x="8694356" y="4320628"/>
-            <a:ext cx="2928643" cy="1631216"/>
+            <a:ext cx="2928643" cy="1323439"/>
           </a:xfrm>
           <a:prstGeom prst="rect">
             <a:avLst/>
@@ -15382,7 +15371,7 @@
                 <a:latin typeface="Arial" panose="020B0604020202020204" pitchFamily="34" charset="0"/>
                 <a:cs typeface="Arial" panose="020B0604020202020204" pitchFamily="34" charset="0"/>
               </a:rPr>
-              <a:t>Недостаток этой данной системы необходимо отнести обязательное наличие датчика в обуви.</a:t>
+              <a:t>Недостаток этой системы – необходимо обязательное наличие датчика в обуви.</a:t>
             </a:r>
           </a:p>
         </p:txBody>
@@ -18551,41 +18540,38 @@
       </p:grpSpPr>
       <p:pic>
         <p:nvPicPr>
-          <p:cNvPr id="7" name="Рисунок 6" descr="C:\Users\monah\OneDrive\Рабочий стол\Диплом Магистра\ПИТ-2020\Схема работы.jpg">
+          <p:cNvPr id="10" name="Рисунок 9">
             <a:extLst>
               <a:ext uri="{FF2B5EF4-FFF2-40B4-BE49-F238E27FC236}">
-                <a16:creationId xmlns:a16="http://schemas.microsoft.com/office/drawing/2014/main" id="{F50D85A8-392F-41B8-904C-3C2A33E369A0}"/>
+                <a16:creationId xmlns:a16="http://schemas.microsoft.com/office/drawing/2014/main" id="{8F2B3C40-0822-4B31-94EE-DE6D4ED5F0DD}"/>
               </a:ext>
             </a:extLst>
           </p:cNvPr>
-          <p:cNvPicPr/>
+          <p:cNvPicPr>
+            <a:picLocks noChangeAspect="1"/>
+          </p:cNvPicPr>
           <p:nvPr/>
         </p:nvPicPr>
         <p:blipFill>
-          <a:blip r:embed="rId2" cstate="print">
+          <a:blip r:embed="rId2">
             <a:extLst>
               <a:ext uri="{28A0092B-C50C-407E-A947-70E740481C1C}">
                 <a14:useLocalDpi xmlns:a14="http://schemas.microsoft.com/office/drawing/2010/main" val="0"/>
               </a:ext>
             </a:extLst>
           </a:blip>
-          <a:srcRect/>
           <a:stretch>
             <a:fillRect/>
           </a:stretch>
         </p:blipFill>
-        <p:spPr bwMode="auto">
+        <p:spPr>
           <a:xfrm>
-            <a:off x="550589" y="908719"/>
-            <a:ext cx="11030304" cy="5733874"/>
+            <a:off x="552322" y="830960"/>
+            <a:ext cx="11028571" cy="5733333"/>
           </a:xfrm>
           <a:prstGeom prst="rect">
             <a:avLst/>
           </a:prstGeom>
-          <a:noFill/>
-          <a:ln>
-            <a:noFill/>
-          </a:ln>
         </p:spPr>
       </p:pic>
       <p:sp>
@@ -18596,8 +18582,8 @@
         </p:nvSpPr>
         <p:spPr>
           <a:xfrm>
-            <a:off x="825542" y="215407"/>
-            <a:ext cx="11030304" cy="523220"/>
+            <a:off x="334566" y="92297"/>
+            <a:ext cx="11521280" cy="769441"/>
           </a:xfrm>
           <a:prstGeom prst="rect">
             <a:avLst/>
@@ -18612,13 +18598,30 @@
           <a:p>
             <a:pPr indent="450215" algn="ctr"/>
             <a:r>
-              <a:rPr lang="ru-RU" sz="2800" dirty="0">
+              <a:rPr lang="ru-RU" sz="2200" dirty="0">
                 <a:solidFill>
                   <a:schemeClr val="bg1"/>
                 </a:solidFill>
                 <a:latin typeface="Elektra Text Pro" panose="02000503030000020004" pitchFamily="50" charset="-52"/>
               </a:rPr>
-              <a:t>Трехконтурная архитектура мобильного приложения</a:t>
+              <a:t>Трехконтурная архитектурная модель инерциальной навигационной системы </a:t>
+            </a:r>
+            <a:br>
+              <a:rPr lang="ru-RU" sz="2200" dirty="0">
+                <a:solidFill>
+                  <a:schemeClr val="bg1"/>
+                </a:solidFill>
+                <a:latin typeface="Elektra Text Pro" panose="02000503030000020004" pitchFamily="50" charset="-52"/>
+              </a:rPr>
+            </a:br>
+            <a:r>
+              <a:rPr lang="ru-RU" sz="2200" dirty="0">
+                <a:solidFill>
+                  <a:schemeClr val="bg1"/>
+                </a:solidFill>
+                <a:latin typeface="Elektra Text Pro" panose="02000503030000020004" pitchFamily="50" charset="-52"/>
+              </a:rPr>
+              <a:t>для мобильных устройств</a:t>
             </a:r>
           </a:p>
         </p:txBody>
